--- a/New Microsoft Office PowerPoint Presentation.pptx
+++ b/New Microsoft Office PowerPoint Presentation.pptx
@@ -8,6 +8,8 @@
     <p:sldId id="256" r:id="rId2"/>
     <p:sldId id="257" r:id="rId3"/>
     <p:sldId id="258" r:id="rId4"/>
+    <p:sldId id="259" r:id="rId5"/>
+    <p:sldId id="260" r:id="rId6"/>
   </p:sldIdLst>
   <p:sldSz cx="9144000" cy="6858000" type="screen4x3"/>
   <p:notesSz cx="6858000" cy="9144000"/>
@@ -291,7 +293,7 @@
             <a:fld id="{1D8BD707-D9CF-40AE-B4C6-C98DA3205C09}" type="datetimeFigureOut">
               <a:rPr lang="en-US" smtClean="0"/>
               <a:pPr/>
-              <a:t>2/1/2017</a:t>
+              <a:t>5/22/2017</a:t>
             </a:fld>
             <a:endParaRPr lang="en-US"/>
           </a:p>
@@ -458,7 +460,7 @@
             <a:fld id="{1D8BD707-D9CF-40AE-B4C6-C98DA3205C09}" type="datetimeFigureOut">
               <a:rPr lang="en-US" smtClean="0"/>
               <a:pPr/>
-              <a:t>2/1/2017</a:t>
+              <a:t>5/22/2017</a:t>
             </a:fld>
             <a:endParaRPr lang="en-US"/>
           </a:p>
@@ -635,7 +637,7 @@
             <a:fld id="{1D8BD707-D9CF-40AE-B4C6-C98DA3205C09}" type="datetimeFigureOut">
               <a:rPr lang="en-US" smtClean="0"/>
               <a:pPr/>
-              <a:t>2/1/2017</a:t>
+              <a:t>5/22/2017</a:t>
             </a:fld>
             <a:endParaRPr lang="en-US"/>
           </a:p>
@@ -802,7 +804,7 @@
             <a:fld id="{1D8BD707-D9CF-40AE-B4C6-C98DA3205C09}" type="datetimeFigureOut">
               <a:rPr lang="en-US" smtClean="0"/>
               <a:pPr/>
-              <a:t>2/1/2017</a:t>
+              <a:t>5/22/2017</a:t>
             </a:fld>
             <a:endParaRPr lang="en-US"/>
           </a:p>
@@ -1045,7 +1047,7 @@
             <a:fld id="{1D8BD707-D9CF-40AE-B4C6-C98DA3205C09}" type="datetimeFigureOut">
               <a:rPr lang="en-US" smtClean="0"/>
               <a:pPr/>
-              <a:t>2/1/2017</a:t>
+              <a:t>5/22/2017</a:t>
             </a:fld>
             <a:endParaRPr lang="en-US"/>
           </a:p>
@@ -1330,7 +1332,7 @@
             <a:fld id="{1D8BD707-D9CF-40AE-B4C6-C98DA3205C09}" type="datetimeFigureOut">
               <a:rPr lang="en-US" smtClean="0"/>
               <a:pPr/>
-              <a:t>2/1/2017</a:t>
+              <a:t>5/22/2017</a:t>
             </a:fld>
             <a:endParaRPr lang="en-US"/>
           </a:p>
@@ -1749,7 +1751,7 @@
             <a:fld id="{1D8BD707-D9CF-40AE-B4C6-C98DA3205C09}" type="datetimeFigureOut">
               <a:rPr lang="en-US" smtClean="0"/>
               <a:pPr/>
-              <a:t>2/1/2017</a:t>
+              <a:t>5/22/2017</a:t>
             </a:fld>
             <a:endParaRPr lang="en-US"/>
           </a:p>
@@ -1864,7 +1866,7 @@
             <a:fld id="{1D8BD707-D9CF-40AE-B4C6-C98DA3205C09}" type="datetimeFigureOut">
               <a:rPr lang="en-US" smtClean="0"/>
               <a:pPr/>
-              <a:t>2/1/2017</a:t>
+              <a:t>5/22/2017</a:t>
             </a:fld>
             <a:endParaRPr lang="en-US"/>
           </a:p>
@@ -1956,7 +1958,7 @@
             <a:fld id="{1D8BD707-D9CF-40AE-B4C6-C98DA3205C09}" type="datetimeFigureOut">
               <a:rPr lang="en-US" smtClean="0"/>
               <a:pPr/>
-              <a:t>2/1/2017</a:t>
+              <a:t>5/22/2017</a:t>
             </a:fld>
             <a:endParaRPr lang="en-US"/>
           </a:p>
@@ -2230,7 +2232,7 @@
             <a:fld id="{1D8BD707-D9CF-40AE-B4C6-C98DA3205C09}" type="datetimeFigureOut">
               <a:rPr lang="en-US" smtClean="0"/>
               <a:pPr/>
-              <a:t>2/1/2017</a:t>
+              <a:t>5/22/2017</a:t>
             </a:fld>
             <a:endParaRPr lang="en-US"/>
           </a:p>
@@ -2480,7 +2482,7 @@
             <a:fld id="{1D8BD707-D9CF-40AE-B4C6-C98DA3205C09}" type="datetimeFigureOut">
               <a:rPr lang="en-US" smtClean="0"/>
               <a:pPr/>
-              <a:t>2/1/2017</a:t>
+              <a:t>5/22/2017</a:t>
             </a:fld>
             <a:endParaRPr lang="en-US"/>
           </a:p>
@@ -2690,7 +2692,7 @@
             <a:fld id="{1D8BD707-D9CF-40AE-B4C6-C98DA3205C09}" type="datetimeFigureOut">
               <a:rPr lang="en-US" smtClean="0"/>
               <a:pPr/>
-              <a:t>2/1/2017</a:t>
+              <a:t>5/22/2017</a:t>
             </a:fld>
             <a:endParaRPr lang="en-US"/>
           </a:p>
@@ -9973,6 +9975,1600 @@
   <p:clrMapOvr>
     <a:masterClrMapping/>
   </p:clrMapOvr>
+  <p:timing>
+    <p:tnLst>
+      <p:par>
+        <p:cTn id="1" dur="indefinite" restart="never" nodeType="tmRoot"/>
+      </p:par>
+    </p:tnLst>
+  </p:timing>
+</p:sld>
+</file>
+
+<file path=ppt/slides/slide4.xml><?xml version="1.0" encoding="utf-8"?>
+<p:sld xmlns:a="http://schemas.openxmlformats.org/drawingml/2006/main" xmlns:r="http://schemas.openxmlformats.org/officeDocument/2006/relationships" xmlns:p="http://schemas.openxmlformats.org/presentationml/2006/main">
+  <p:cSld>
+    <p:spTree>
+      <p:nvGrpSpPr>
+        <p:cNvPr id="1" name=""/>
+        <p:cNvGrpSpPr/>
+        <p:nvPr/>
+      </p:nvGrpSpPr>
+      <p:grpSpPr>
+        <a:xfrm>
+          <a:off x="0" y="0"/>
+          <a:ext cx="0" cy="0"/>
+          <a:chOff x="0" y="0"/>
+          <a:chExt cx="0" cy="0"/>
+        </a:xfrm>
+      </p:grpSpPr>
+      <p:grpSp>
+        <p:nvGrpSpPr>
+          <p:cNvPr id="2" name="Group 1"/>
+          <p:cNvGrpSpPr/>
+          <p:nvPr/>
+        </p:nvGrpSpPr>
+        <p:grpSpPr>
+          <a:xfrm>
+            <a:off x="1143000" y="2057400"/>
+            <a:ext cx="7924800" cy="2362200"/>
+            <a:chOff x="1143000" y="2057400"/>
+            <a:chExt cx="7924800" cy="2362200"/>
+          </a:xfrm>
+        </p:grpSpPr>
+        <p:sp>
+          <p:nvSpPr>
+            <p:cNvPr id="3" name="Cloud 2"/>
+            <p:cNvSpPr/>
+            <p:nvPr/>
+          </p:nvSpPr>
+          <p:spPr>
+            <a:xfrm>
+              <a:off x="4267200" y="3429000"/>
+              <a:ext cx="1143000" cy="990600"/>
+            </a:xfrm>
+            <a:prstGeom prst="cloud">
+              <a:avLst/>
+            </a:prstGeom>
+            <a:solidFill>
+              <a:schemeClr val="accent1">
+                <a:lumMod val="60000"/>
+                <a:lumOff val="40000"/>
+              </a:schemeClr>
+            </a:solidFill>
+            <a:ln w="12700">
+              <a:solidFill>
+                <a:schemeClr val="accent1">
+                  <a:lumMod val="60000"/>
+                  <a:lumOff val="40000"/>
+                </a:schemeClr>
+              </a:solidFill>
+            </a:ln>
+          </p:spPr>
+          <p:style>
+            <a:lnRef idx="2">
+              <a:schemeClr val="accent1">
+                <a:shade val="50000"/>
+              </a:schemeClr>
+            </a:lnRef>
+            <a:fillRef idx="1">
+              <a:schemeClr val="accent1"/>
+            </a:fillRef>
+            <a:effectRef idx="0">
+              <a:schemeClr val="accent1"/>
+            </a:effectRef>
+            <a:fontRef idx="minor">
+              <a:schemeClr val="lt1"/>
+            </a:fontRef>
+          </p:style>
+          <p:txBody>
+            <a:bodyPr rtlCol="0" anchor="ctr"/>
+            <a:lstStyle/>
+            <a:p>
+              <a:pPr algn="ctr"/>
+              <a:endParaRPr lang="en-US" b="1"/>
+            </a:p>
+          </p:txBody>
+        </p:sp>
+        <p:pic>
+          <p:nvPicPr>
+            <p:cNvPr id="4" name="Picture 2" descr="D:\Vishal\GitAccount\TestDemo\and-icon.png"/>
+            <p:cNvPicPr>
+              <a:picLocks noChangeAspect="1" noChangeArrowheads="1"/>
+            </p:cNvPicPr>
+            <p:nvPr/>
+          </p:nvPicPr>
+          <p:blipFill>
+            <a:blip r:embed="rId2" cstate="print">
+              <a:duotone>
+                <a:schemeClr val="accent1">
+                  <a:shade val="45000"/>
+                  <a:satMod val="135000"/>
+                </a:schemeClr>
+                <a:prstClr val="white"/>
+              </a:duotone>
+            </a:blip>
+            <a:srcRect/>
+            <a:stretch>
+              <a:fillRect/>
+            </a:stretch>
+          </p:blipFill>
+          <p:spPr bwMode="auto">
+            <a:xfrm>
+              <a:off x="1207250" y="2305050"/>
+              <a:ext cx="316750" cy="590550"/>
+            </a:xfrm>
+            <a:prstGeom prst="rect">
+              <a:avLst/>
+            </a:prstGeom>
+            <a:noFill/>
+          </p:spPr>
+        </p:pic>
+        <p:pic>
+          <p:nvPicPr>
+            <p:cNvPr id="5" name="Picture 3" descr="D:\Vishal\GitAccount\TestDemo\agent-view.png"/>
+            <p:cNvPicPr>
+              <a:picLocks noChangeAspect="1" noChangeArrowheads="1"/>
+            </p:cNvPicPr>
+            <p:nvPr/>
+          </p:nvPicPr>
+          <p:blipFill>
+            <a:blip r:embed="rId3" cstate="print">
+              <a:duotone>
+                <a:schemeClr val="accent1">
+                  <a:shade val="45000"/>
+                  <a:satMod val="135000"/>
+                </a:schemeClr>
+                <a:prstClr val="white"/>
+              </a:duotone>
+            </a:blip>
+            <a:srcRect/>
+            <a:stretch>
+              <a:fillRect/>
+            </a:stretch>
+          </p:blipFill>
+          <p:spPr bwMode="auto">
+            <a:xfrm>
+              <a:off x="7848600" y="2209800"/>
+              <a:ext cx="703850" cy="609599"/>
+            </a:xfrm>
+            <a:prstGeom prst="rect">
+              <a:avLst/>
+            </a:prstGeom>
+            <a:noFill/>
+          </p:spPr>
+        </p:pic>
+        <p:sp>
+          <p:nvSpPr>
+            <p:cNvPr id="7" name="Bent-Up Arrow 6"/>
+            <p:cNvSpPr/>
+            <p:nvPr/>
+          </p:nvSpPr>
+          <p:spPr>
+            <a:xfrm flipH="1">
+              <a:off x="1295400" y="2971800"/>
+              <a:ext cx="2819400" cy="990600"/>
+            </a:xfrm>
+            <a:prstGeom prst="bentUpArrow">
+              <a:avLst>
+                <a:gd name="adj1" fmla="val 0"/>
+                <a:gd name="adj2" fmla="val 4638"/>
+                <a:gd name="adj3" fmla="val 9029"/>
+              </a:avLst>
+            </a:prstGeom>
+            <a:solidFill>
+              <a:schemeClr val="accent1">
+                <a:lumMod val="75000"/>
+              </a:schemeClr>
+            </a:solidFill>
+            <a:ln>
+              <a:solidFill>
+                <a:schemeClr val="accent1">
+                  <a:lumMod val="75000"/>
+                </a:schemeClr>
+              </a:solidFill>
+            </a:ln>
+          </p:spPr>
+          <p:style>
+            <a:lnRef idx="2">
+              <a:schemeClr val="accent1">
+                <a:shade val="50000"/>
+              </a:schemeClr>
+            </a:lnRef>
+            <a:fillRef idx="1">
+              <a:schemeClr val="accent1"/>
+            </a:fillRef>
+            <a:effectRef idx="0">
+              <a:schemeClr val="accent1"/>
+            </a:effectRef>
+            <a:fontRef idx="minor">
+              <a:schemeClr val="lt1"/>
+            </a:fontRef>
+          </p:style>
+          <p:txBody>
+            <a:bodyPr rtlCol="0" anchor="ctr"/>
+            <a:lstStyle/>
+            <a:p>
+              <a:pPr algn="ctr"/>
+              <a:endParaRPr lang="en-US" b="1"/>
+            </a:p>
+          </p:txBody>
+        </p:sp>
+        <p:sp>
+          <p:nvSpPr>
+            <p:cNvPr id="9" name="Right Arrow 8"/>
+            <p:cNvSpPr/>
+            <p:nvPr/>
+          </p:nvSpPr>
+          <p:spPr>
+            <a:xfrm rot="10800000">
+              <a:off x="4038600" y="2667000"/>
+              <a:ext cx="990600" cy="45720"/>
+            </a:xfrm>
+            <a:prstGeom prst="rightArrow">
+              <a:avLst/>
+            </a:prstGeom>
+            <a:solidFill>
+              <a:schemeClr val="accent1">
+                <a:lumMod val="50000"/>
+              </a:schemeClr>
+            </a:solidFill>
+            <a:ln>
+              <a:solidFill>
+                <a:schemeClr val="accent1">
+                  <a:lumMod val="75000"/>
+                </a:schemeClr>
+              </a:solidFill>
+            </a:ln>
+          </p:spPr>
+          <p:style>
+            <a:lnRef idx="2">
+              <a:schemeClr val="accent1">
+                <a:shade val="50000"/>
+              </a:schemeClr>
+            </a:lnRef>
+            <a:fillRef idx="1">
+              <a:schemeClr val="accent1"/>
+            </a:fillRef>
+            <a:effectRef idx="0">
+              <a:schemeClr val="accent1"/>
+            </a:effectRef>
+            <a:fontRef idx="minor">
+              <a:schemeClr val="lt1"/>
+            </a:fontRef>
+          </p:style>
+          <p:txBody>
+            <a:bodyPr rtlCol="0" anchor="ctr"/>
+            <a:lstStyle/>
+            <a:p>
+              <a:pPr algn="ctr"/>
+              <a:endParaRPr lang="en-US" b="1"/>
+            </a:p>
+          </p:txBody>
+        </p:sp>
+        <p:sp>
+          <p:nvSpPr>
+            <p:cNvPr id="10" name="Bent-Up Arrow 9"/>
+            <p:cNvSpPr/>
+            <p:nvPr/>
+          </p:nvSpPr>
+          <p:spPr>
+            <a:xfrm rot="16200000" flipH="1">
+              <a:off x="6400800" y="2133602"/>
+              <a:ext cx="914403" cy="2743201"/>
+            </a:xfrm>
+            <a:prstGeom prst="bentUpArrow">
+              <a:avLst>
+                <a:gd name="adj1" fmla="val 0"/>
+                <a:gd name="adj2" fmla="val 4638"/>
+                <a:gd name="adj3" fmla="val 9029"/>
+              </a:avLst>
+            </a:prstGeom>
+            <a:solidFill>
+              <a:schemeClr val="accent1">
+                <a:lumMod val="75000"/>
+              </a:schemeClr>
+            </a:solidFill>
+            <a:ln>
+              <a:solidFill>
+                <a:schemeClr val="accent1">
+                  <a:lumMod val="75000"/>
+                </a:schemeClr>
+              </a:solidFill>
+            </a:ln>
+          </p:spPr>
+          <p:style>
+            <a:lnRef idx="2">
+              <a:schemeClr val="accent1">
+                <a:shade val="50000"/>
+              </a:schemeClr>
+            </a:lnRef>
+            <a:fillRef idx="1">
+              <a:schemeClr val="accent1"/>
+            </a:fillRef>
+            <a:effectRef idx="0">
+              <a:schemeClr val="accent1"/>
+            </a:effectRef>
+            <a:fontRef idx="minor">
+              <a:schemeClr val="lt1"/>
+            </a:fontRef>
+          </p:style>
+          <p:txBody>
+            <a:bodyPr rtlCol="0" anchor="ctr"/>
+            <a:lstStyle/>
+            <a:p>
+              <a:pPr algn="ctr"/>
+              <a:endParaRPr lang="en-US" b="1"/>
+            </a:p>
+          </p:txBody>
+        </p:sp>
+        <p:grpSp>
+          <p:nvGrpSpPr>
+            <p:cNvPr id="11" name="Group 21"/>
+            <p:cNvGrpSpPr/>
+            <p:nvPr/>
+          </p:nvGrpSpPr>
+          <p:grpSpPr>
+            <a:xfrm>
+              <a:off x="2743200" y="2286000"/>
+              <a:ext cx="1219200" cy="609600"/>
+              <a:chOff x="2743200" y="2286000"/>
+              <a:chExt cx="1219200" cy="609600"/>
+            </a:xfrm>
+          </p:grpSpPr>
+          <p:sp>
+            <p:nvSpPr>
+              <p:cNvPr id="30" name="Rounded Rectangle 29"/>
+              <p:cNvSpPr/>
+              <p:nvPr/>
+            </p:nvSpPr>
+            <p:spPr>
+              <a:xfrm>
+                <a:off x="2819400" y="2286000"/>
+                <a:ext cx="1143000" cy="609600"/>
+              </a:xfrm>
+              <a:prstGeom prst="roundRect">
+                <a:avLst/>
+              </a:prstGeom>
+              <a:solidFill>
+                <a:schemeClr val="accent1">
+                  <a:lumMod val="60000"/>
+                  <a:lumOff val="40000"/>
+                </a:schemeClr>
+              </a:solidFill>
+              <a:ln w="15875">
+                <a:solidFill>
+                  <a:schemeClr val="accent1">
+                    <a:lumMod val="60000"/>
+                    <a:lumOff val="40000"/>
+                  </a:schemeClr>
+                </a:solidFill>
+              </a:ln>
+            </p:spPr>
+            <p:style>
+              <a:lnRef idx="2">
+                <a:schemeClr val="accent1">
+                  <a:shade val="50000"/>
+                </a:schemeClr>
+              </a:lnRef>
+              <a:fillRef idx="1">
+                <a:schemeClr val="accent1"/>
+              </a:fillRef>
+              <a:effectRef idx="0">
+                <a:schemeClr val="accent1"/>
+              </a:effectRef>
+              <a:fontRef idx="minor">
+                <a:schemeClr val="lt1"/>
+              </a:fontRef>
+            </p:style>
+            <p:txBody>
+              <a:bodyPr rtlCol="0" anchor="ctr"/>
+              <a:lstStyle/>
+              <a:p>
+                <a:pPr algn="ctr"/>
+                <a:endParaRPr lang="en-US" sz="1600" b="1" dirty="0"/>
+              </a:p>
+            </p:txBody>
+          </p:sp>
+          <p:sp>
+            <p:nvSpPr>
+              <p:cNvPr id="31" name="TextBox 30"/>
+              <p:cNvSpPr txBox="1"/>
+              <p:nvPr/>
+            </p:nvSpPr>
+            <p:spPr>
+              <a:xfrm>
+                <a:off x="2743200" y="2438400"/>
+                <a:ext cx="1172308" cy="276999"/>
+              </a:xfrm>
+              <a:prstGeom prst="rect">
+                <a:avLst/>
+              </a:prstGeom>
+              <a:noFill/>
+            </p:spPr>
+            <p:txBody>
+              <a:bodyPr wrap="square" rtlCol="0">
+                <a:spAutoFit/>
+              </a:bodyPr>
+              <a:lstStyle/>
+              <a:p>
+                <a:r>
+                  <a:rPr lang="en-US" sz="1200" b="1" dirty="0" smtClean="0"/>
+                  <a:t>   </a:t>
+                </a:r>
+                <a:r>
+                  <a:rPr lang="en-US" sz="1200" b="1" dirty="0" smtClean="0"/>
+                  <a:t>   Web Server</a:t>
+                </a:r>
+                <a:endParaRPr lang="en-US" sz="1200" b="1" dirty="0"/>
+              </a:p>
+            </p:txBody>
+          </p:sp>
+        </p:grpSp>
+        <p:sp>
+          <p:nvSpPr>
+            <p:cNvPr id="12" name="TextBox 11"/>
+            <p:cNvSpPr txBox="1"/>
+            <p:nvPr/>
+          </p:nvSpPr>
+          <p:spPr>
+            <a:xfrm>
+              <a:off x="4419600" y="3697069"/>
+              <a:ext cx="838200" cy="461665"/>
+            </a:xfrm>
+            <a:prstGeom prst="rect">
+              <a:avLst/>
+            </a:prstGeom>
+            <a:noFill/>
+          </p:spPr>
+          <p:txBody>
+            <a:bodyPr wrap="square" rtlCol="0">
+              <a:spAutoFit/>
+            </a:bodyPr>
+            <a:lstStyle/>
+            <a:p>
+              <a:pPr algn="ctr"/>
+              <a:r>
+                <a:rPr lang="en-US" sz="1200" b="1" dirty="0" smtClean="0"/>
+                <a:t>GCM Server</a:t>
+              </a:r>
+              <a:endParaRPr lang="en-US" sz="1200" b="1" dirty="0"/>
+            </a:p>
+          </p:txBody>
+        </p:sp>
+        <p:sp>
+          <p:nvSpPr>
+            <p:cNvPr id="13" name="TextBox 12"/>
+            <p:cNvSpPr txBox="1"/>
+            <p:nvPr/>
+          </p:nvSpPr>
+          <p:spPr>
+            <a:xfrm>
+              <a:off x="1143000" y="2057400"/>
+              <a:ext cx="457200" cy="246221"/>
+            </a:xfrm>
+            <a:prstGeom prst="rect">
+              <a:avLst/>
+            </a:prstGeom>
+            <a:noFill/>
+          </p:spPr>
+          <p:txBody>
+            <a:bodyPr wrap="square" rtlCol="0">
+              <a:spAutoFit/>
+            </a:bodyPr>
+            <a:lstStyle/>
+            <a:p>
+              <a:r>
+                <a:rPr lang="en-US" sz="1000" b="1" dirty="0" smtClean="0"/>
+                <a:t>User </a:t>
+              </a:r>
+              <a:endParaRPr lang="en-US" sz="1000" b="1" dirty="0"/>
+            </a:p>
+          </p:txBody>
+        </p:sp>
+        <p:sp>
+          <p:nvSpPr>
+            <p:cNvPr id="14" name="TextBox 13"/>
+            <p:cNvSpPr txBox="1"/>
+            <p:nvPr/>
+          </p:nvSpPr>
+          <p:spPr>
+            <a:xfrm>
+              <a:off x="7696200" y="2819400"/>
+              <a:ext cx="1371600" cy="246221"/>
+            </a:xfrm>
+            <a:prstGeom prst="rect">
+              <a:avLst/>
+            </a:prstGeom>
+            <a:noFill/>
+          </p:spPr>
+          <p:txBody>
+            <a:bodyPr wrap="square" rtlCol="0">
+              <a:spAutoFit/>
+            </a:bodyPr>
+            <a:lstStyle/>
+            <a:p>
+              <a:r>
+                <a:rPr lang="en-US" sz="1000" b="1" dirty="0" smtClean="0"/>
+                <a:t>Tech / Care Agent</a:t>
+              </a:r>
+              <a:endParaRPr lang="en-US" sz="1000" b="1" dirty="0"/>
+            </a:p>
+          </p:txBody>
+        </p:sp>
+        <p:sp>
+          <p:nvSpPr>
+            <p:cNvPr id="17" name="Right Arrow 16"/>
+            <p:cNvSpPr/>
+            <p:nvPr/>
+          </p:nvSpPr>
+          <p:spPr>
+            <a:xfrm>
+              <a:off x="4038598" y="2468881"/>
+              <a:ext cx="990602" cy="45719"/>
+            </a:xfrm>
+            <a:prstGeom prst="rightArrow">
+              <a:avLst/>
+            </a:prstGeom>
+            <a:solidFill>
+              <a:schemeClr val="accent1">
+                <a:lumMod val="60000"/>
+                <a:lumOff val="40000"/>
+              </a:schemeClr>
+            </a:solidFill>
+            <a:ln>
+              <a:solidFill>
+                <a:schemeClr val="accent1">
+                  <a:lumMod val="75000"/>
+                </a:schemeClr>
+              </a:solidFill>
+            </a:ln>
+          </p:spPr>
+          <p:style>
+            <a:lnRef idx="2">
+              <a:schemeClr val="accent1">
+                <a:shade val="50000"/>
+              </a:schemeClr>
+            </a:lnRef>
+            <a:fillRef idx="1">
+              <a:schemeClr val="accent1"/>
+            </a:fillRef>
+            <a:effectRef idx="0">
+              <a:schemeClr val="accent1"/>
+            </a:effectRef>
+            <a:fontRef idx="minor">
+              <a:schemeClr val="lt1"/>
+            </a:fontRef>
+          </p:style>
+          <p:txBody>
+            <a:bodyPr rtlCol="0" anchor="ctr"/>
+            <a:lstStyle/>
+            <a:p>
+              <a:pPr algn="ctr"/>
+              <a:endParaRPr lang="en-US" b="1"/>
+            </a:p>
+          </p:txBody>
+        </p:sp>
+        <p:sp>
+          <p:nvSpPr>
+            <p:cNvPr id="18" name="TextBox 17"/>
+            <p:cNvSpPr txBox="1"/>
+            <p:nvPr/>
+          </p:nvSpPr>
+          <p:spPr>
+            <a:xfrm>
+              <a:off x="2209800" y="3733800"/>
+              <a:ext cx="1066800" cy="230832"/>
+            </a:xfrm>
+            <a:prstGeom prst="rect">
+              <a:avLst/>
+            </a:prstGeom>
+            <a:noFill/>
+          </p:spPr>
+          <p:txBody>
+            <a:bodyPr wrap="square" rtlCol="0">
+              <a:spAutoFit/>
+            </a:bodyPr>
+            <a:lstStyle/>
+            <a:p>
+              <a:r>
+                <a:rPr lang="en-US" sz="900" b="1" dirty="0" smtClean="0"/>
+                <a:t>Send Notification</a:t>
+              </a:r>
+              <a:endParaRPr lang="en-US" sz="900" b="1" dirty="0"/>
+            </a:p>
+          </p:txBody>
+        </p:sp>
+      </p:grpSp>
+      <p:sp>
+        <p:nvSpPr>
+          <p:cNvPr id="32" name="Rounded Rectangle 31"/>
+          <p:cNvSpPr/>
+          <p:nvPr/>
+        </p:nvSpPr>
+        <p:spPr>
+          <a:xfrm>
+            <a:off x="5105400" y="2286000"/>
+            <a:ext cx="1143000" cy="609600"/>
+          </a:xfrm>
+          <a:prstGeom prst="roundRect">
+            <a:avLst/>
+          </a:prstGeom>
+          <a:solidFill>
+            <a:schemeClr val="accent1">
+              <a:lumMod val="60000"/>
+              <a:lumOff val="40000"/>
+            </a:schemeClr>
+          </a:solidFill>
+          <a:ln w="15875">
+            <a:solidFill>
+              <a:schemeClr val="accent1">
+                <a:lumMod val="60000"/>
+                <a:lumOff val="40000"/>
+              </a:schemeClr>
+            </a:solidFill>
+          </a:ln>
+        </p:spPr>
+        <p:style>
+          <a:lnRef idx="2">
+            <a:schemeClr val="accent1">
+              <a:shade val="50000"/>
+            </a:schemeClr>
+          </a:lnRef>
+          <a:fillRef idx="1">
+            <a:schemeClr val="accent1"/>
+          </a:fillRef>
+          <a:effectRef idx="0">
+            <a:schemeClr val="accent1"/>
+          </a:effectRef>
+          <a:fontRef idx="minor">
+            <a:schemeClr val="lt1"/>
+          </a:fontRef>
+        </p:style>
+        <p:txBody>
+          <a:bodyPr rtlCol="0" anchor="ctr"/>
+          <a:lstStyle/>
+          <a:p>
+            <a:pPr algn="ctr"/>
+            <a:endParaRPr lang="en-US" sz="1600" b="1" dirty="0"/>
+          </a:p>
+        </p:txBody>
+      </p:sp>
+      <p:sp>
+        <p:nvSpPr>
+          <p:cNvPr id="33" name="TextBox 32"/>
+          <p:cNvSpPr txBox="1"/>
+          <p:nvPr/>
+        </p:nvSpPr>
+        <p:spPr>
+          <a:xfrm>
+            <a:off x="5304692" y="2438400"/>
+            <a:ext cx="1172308" cy="276999"/>
+          </a:xfrm>
+          <a:prstGeom prst="rect">
+            <a:avLst/>
+          </a:prstGeom>
+          <a:noFill/>
+        </p:spPr>
+        <p:txBody>
+          <a:bodyPr wrap="square" rtlCol="0">
+            <a:spAutoFit/>
+          </a:bodyPr>
+          <a:lstStyle/>
+          <a:p>
+            <a:r>
+              <a:rPr lang="en-US" sz="1200" b="1" dirty="0" smtClean="0"/>
+              <a:t>Chatbot</a:t>
+            </a:r>
+            <a:endParaRPr lang="en-US" sz="1200" b="1" dirty="0"/>
+          </a:p>
+        </p:txBody>
+      </p:sp>
+      <p:sp>
+        <p:nvSpPr>
+          <p:cNvPr id="35" name="Right Arrow 34"/>
+          <p:cNvSpPr/>
+          <p:nvPr/>
+        </p:nvSpPr>
+        <p:spPr>
+          <a:xfrm>
+            <a:off x="1600200" y="2545081"/>
+            <a:ext cx="1143002" cy="45719"/>
+          </a:xfrm>
+          <a:prstGeom prst="rightArrow">
+            <a:avLst/>
+          </a:prstGeom>
+          <a:solidFill>
+            <a:schemeClr val="accent1">
+              <a:lumMod val="60000"/>
+              <a:lumOff val="40000"/>
+            </a:schemeClr>
+          </a:solidFill>
+          <a:ln>
+            <a:solidFill>
+              <a:schemeClr val="accent1">
+                <a:lumMod val="75000"/>
+              </a:schemeClr>
+            </a:solidFill>
+          </a:ln>
+        </p:spPr>
+        <p:style>
+          <a:lnRef idx="2">
+            <a:schemeClr val="accent1">
+              <a:shade val="50000"/>
+            </a:schemeClr>
+          </a:lnRef>
+          <a:fillRef idx="1">
+            <a:schemeClr val="accent1"/>
+          </a:fillRef>
+          <a:effectRef idx="0">
+            <a:schemeClr val="accent1"/>
+          </a:effectRef>
+          <a:fontRef idx="minor">
+            <a:schemeClr val="lt1"/>
+          </a:fontRef>
+        </p:style>
+        <p:txBody>
+          <a:bodyPr rtlCol="0" anchor="ctr"/>
+          <a:lstStyle/>
+          <a:p>
+            <a:pPr algn="ctr"/>
+            <a:endParaRPr lang="en-US" b="1"/>
+          </a:p>
+        </p:txBody>
+      </p:sp>
+      <p:cxnSp>
+        <p:nvCxnSpPr>
+          <p:cNvPr id="38" name="Elbow Connector 37"/>
+          <p:cNvCxnSpPr>
+            <a:stCxn id="30" idx="2"/>
+            <a:endCxn id="3" idx="3"/>
+          </p:cNvCxnSpPr>
+          <p:nvPr/>
+        </p:nvCxnSpPr>
+        <p:spPr>
+          <a:xfrm rot="16200000" flipH="1">
+            <a:off x="3819781" y="2466719"/>
+            <a:ext cx="590038" cy="1447800"/>
+          </a:xfrm>
+          <a:prstGeom prst="bentConnector3">
+            <a:avLst>
+              <a:gd name="adj1" fmla="val 50000"/>
+            </a:avLst>
+          </a:prstGeom>
+          <a:ln w="25400">
+            <a:solidFill>
+              <a:schemeClr val="accent1">
+                <a:lumMod val="75000"/>
+              </a:schemeClr>
+            </a:solidFill>
+            <a:tailEnd type="triangle"/>
+          </a:ln>
+        </p:spPr>
+        <p:style>
+          <a:lnRef idx="1">
+            <a:schemeClr val="accent1"/>
+          </a:lnRef>
+          <a:fillRef idx="0">
+            <a:schemeClr val="accent1"/>
+          </a:fillRef>
+          <a:effectRef idx="0">
+            <a:schemeClr val="accent1"/>
+          </a:effectRef>
+          <a:fontRef idx="minor">
+            <a:schemeClr val="tx1"/>
+          </a:fontRef>
+        </p:style>
+      </p:cxnSp>
+      <p:sp>
+        <p:nvSpPr>
+          <p:cNvPr id="42" name="TextBox 41"/>
+          <p:cNvSpPr txBox="1"/>
+          <p:nvPr/>
+        </p:nvSpPr>
+        <p:spPr>
+          <a:xfrm>
+            <a:off x="6324600" y="3733800"/>
+            <a:ext cx="1066800" cy="230832"/>
+          </a:xfrm>
+          <a:prstGeom prst="rect">
+            <a:avLst/>
+          </a:prstGeom>
+          <a:noFill/>
+        </p:spPr>
+        <p:txBody>
+          <a:bodyPr wrap="square" rtlCol="0">
+            <a:spAutoFit/>
+          </a:bodyPr>
+          <a:lstStyle/>
+          <a:p>
+            <a:r>
+              <a:rPr lang="en-US" sz="900" b="1" dirty="0" smtClean="0"/>
+              <a:t>Send Message</a:t>
+            </a:r>
+            <a:endParaRPr lang="en-US" sz="900" b="1" dirty="0"/>
+          </a:p>
+        </p:txBody>
+      </p:sp>
+      <p:sp>
+        <p:nvSpPr>
+          <p:cNvPr id="44" name="TextBox 43"/>
+          <p:cNvSpPr txBox="1"/>
+          <p:nvPr/>
+        </p:nvSpPr>
+        <p:spPr>
+          <a:xfrm>
+            <a:off x="3657600" y="2971800"/>
+            <a:ext cx="1066800" cy="230832"/>
+          </a:xfrm>
+          <a:prstGeom prst="rect">
+            <a:avLst/>
+          </a:prstGeom>
+          <a:noFill/>
+        </p:spPr>
+        <p:txBody>
+          <a:bodyPr wrap="square" rtlCol="0">
+            <a:spAutoFit/>
+          </a:bodyPr>
+          <a:lstStyle/>
+          <a:p>
+            <a:r>
+              <a:rPr lang="en-US" sz="900" b="1" dirty="0" smtClean="0"/>
+              <a:t>Send Message</a:t>
+            </a:r>
+            <a:endParaRPr lang="en-US" sz="900" b="1" dirty="0"/>
+          </a:p>
+        </p:txBody>
+      </p:sp>
+      <p:cxnSp>
+        <p:nvCxnSpPr>
+          <p:cNvPr id="47" name="Elbow Connector 46"/>
+          <p:cNvCxnSpPr>
+            <a:stCxn id="30" idx="0"/>
+            <a:endCxn id="5" idx="0"/>
+          </p:cNvCxnSpPr>
+          <p:nvPr/>
+        </p:nvCxnSpPr>
+        <p:spPr>
+          <a:xfrm rot="5400000" flipH="1" flipV="1">
+            <a:off x="5757612" y="-156912"/>
+            <a:ext cx="76200" cy="4809625"/>
+          </a:xfrm>
+          <a:prstGeom prst="bentConnector3">
+            <a:avLst>
+              <a:gd name="adj1" fmla="val 400000"/>
+            </a:avLst>
+          </a:prstGeom>
+          <a:ln w="25400">
+            <a:solidFill>
+              <a:schemeClr val="accent1">
+                <a:lumMod val="75000"/>
+              </a:schemeClr>
+            </a:solidFill>
+            <a:tailEnd type="triangle"/>
+          </a:ln>
+        </p:spPr>
+        <p:style>
+          <a:lnRef idx="1">
+            <a:schemeClr val="accent1"/>
+          </a:lnRef>
+          <a:fillRef idx="0">
+            <a:schemeClr val="accent1"/>
+          </a:fillRef>
+          <a:effectRef idx="0">
+            <a:schemeClr val="accent1"/>
+          </a:effectRef>
+          <a:fontRef idx="minor">
+            <a:schemeClr val="tx1"/>
+          </a:fontRef>
+        </p:style>
+      </p:cxnSp>
+      <p:sp>
+        <p:nvSpPr>
+          <p:cNvPr id="49" name="TextBox 48"/>
+          <p:cNvSpPr txBox="1"/>
+          <p:nvPr/>
+        </p:nvSpPr>
+        <p:spPr>
+          <a:xfrm>
+            <a:off x="5029200" y="1752600"/>
+            <a:ext cx="1447800" cy="230832"/>
+          </a:xfrm>
+          <a:prstGeom prst="rect">
+            <a:avLst/>
+          </a:prstGeom>
+          <a:noFill/>
+        </p:spPr>
+        <p:txBody>
+          <a:bodyPr wrap="square" rtlCol="0">
+            <a:spAutoFit/>
+          </a:bodyPr>
+          <a:lstStyle/>
+          <a:p>
+            <a:r>
+              <a:rPr lang="en-US" sz="900" b="1" dirty="0" smtClean="0"/>
+              <a:t>Send Message to Agent</a:t>
+            </a:r>
+            <a:endParaRPr lang="en-US" sz="900" b="1" dirty="0"/>
+          </a:p>
+        </p:txBody>
+      </p:sp>
+    </p:spTree>
+  </p:cSld>
+  <p:clrMapOvr>
+    <a:masterClrMapping/>
+  </p:clrMapOvr>
+  <p:timing>
+    <p:tnLst>
+      <p:par>
+        <p:cTn id="1" dur="indefinite" restart="never" nodeType="tmRoot"/>
+      </p:par>
+    </p:tnLst>
+  </p:timing>
+</p:sld>
+</file>
+
+<file path=ppt/slides/slide5.xml><?xml version="1.0" encoding="utf-8"?>
+<p:sld xmlns:a="http://schemas.openxmlformats.org/drawingml/2006/main" xmlns:r="http://schemas.openxmlformats.org/officeDocument/2006/relationships" xmlns:p="http://schemas.openxmlformats.org/presentationml/2006/main">
+  <p:cSld>
+    <p:spTree>
+      <p:nvGrpSpPr>
+        <p:cNvPr id="1" name=""/>
+        <p:cNvGrpSpPr/>
+        <p:nvPr/>
+      </p:nvGrpSpPr>
+      <p:grpSpPr>
+        <a:xfrm>
+          <a:off x="0" y="0"/>
+          <a:ext cx="0" cy="0"/>
+          <a:chOff x="0" y="0"/>
+          <a:chExt cx="0" cy="0"/>
+        </a:xfrm>
+      </p:grpSpPr>
+      <p:grpSp>
+        <p:nvGrpSpPr>
+          <p:cNvPr id="2" name="Group 1"/>
+          <p:cNvGrpSpPr/>
+          <p:nvPr/>
+        </p:nvGrpSpPr>
+        <p:grpSpPr>
+          <a:xfrm>
+            <a:off x="1143000" y="2057400"/>
+            <a:ext cx="7924800" cy="2362200"/>
+            <a:chOff x="1143000" y="2057400"/>
+            <a:chExt cx="7924800" cy="2362200"/>
+          </a:xfrm>
+        </p:grpSpPr>
+        <p:sp>
+          <p:nvSpPr>
+            <p:cNvPr id="3" name="Cloud 2"/>
+            <p:cNvSpPr/>
+            <p:nvPr/>
+          </p:nvSpPr>
+          <p:spPr>
+            <a:xfrm>
+              <a:off x="4191000" y="3429000"/>
+              <a:ext cx="1143000" cy="990600"/>
+            </a:xfrm>
+            <a:prstGeom prst="cloud">
+              <a:avLst/>
+            </a:prstGeom>
+            <a:solidFill>
+              <a:schemeClr val="accent1">
+                <a:lumMod val="60000"/>
+                <a:lumOff val="40000"/>
+              </a:schemeClr>
+            </a:solidFill>
+            <a:ln w="12700">
+              <a:solidFill>
+                <a:schemeClr val="accent1">
+                  <a:lumMod val="60000"/>
+                  <a:lumOff val="40000"/>
+                </a:schemeClr>
+              </a:solidFill>
+            </a:ln>
+          </p:spPr>
+          <p:style>
+            <a:lnRef idx="2">
+              <a:schemeClr val="accent1">
+                <a:shade val="50000"/>
+              </a:schemeClr>
+            </a:lnRef>
+            <a:fillRef idx="1">
+              <a:schemeClr val="accent1"/>
+            </a:fillRef>
+            <a:effectRef idx="0">
+              <a:schemeClr val="accent1"/>
+            </a:effectRef>
+            <a:fontRef idx="minor">
+              <a:schemeClr val="lt1"/>
+            </a:fontRef>
+          </p:style>
+          <p:txBody>
+            <a:bodyPr rtlCol="0" anchor="ctr"/>
+            <a:lstStyle/>
+            <a:p>
+              <a:pPr algn="ctr"/>
+              <a:endParaRPr lang="en-US" b="1"/>
+            </a:p>
+          </p:txBody>
+        </p:sp>
+        <p:pic>
+          <p:nvPicPr>
+            <p:cNvPr id="4" name="Picture 2" descr="D:\Vishal\GitAccount\TestDemo\and-icon.png"/>
+            <p:cNvPicPr>
+              <a:picLocks noChangeAspect="1" noChangeArrowheads="1"/>
+            </p:cNvPicPr>
+            <p:nvPr/>
+          </p:nvPicPr>
+          <p:blipFill>
+            <a:blip r:embed="rId2" cstate="print">
+              <a:duotone>
+                <a:schemeClr val="accent1">
+                  <a:shade val="45000"/>
+                  <a:satMod val="135000"/>
+                </a:schemeClr>
+                <a:prstClr val="white"/>
+              </a:duotone>
+            </a:blip>
+            <a:srcRect/>
+            <a:stretch>
+              <a:fillRect/>
+            </a:stretch>
+          </p:blipFill>
+          <p:spPr bwMode="auto">
+            <a:xfrm>
+              <a:off x="1207250" y="2305050"/>
+              <a:ext cx="316750" cy="590550"/>
+            </a:xfrm>
+            <a:prstGeom prst="rect">
+              <a:avLst/>
+            </a:prstGeom>
+            <a:noFill/>
+          </p:spPr>
+        </p:pic>
+        <p:pic>
+          <p:nvPicPr>
+            <p:cNvPr id="5" name="Picture 3" descr="D:\Vishal\GitAccount\TestDemo\agent-view.png"/>
+            <p:cNvPicPr>
+              <a:picLocks noChangeAspect="1" noChangeArrowheads="1"/>
+            </p:cNvPicPr>
+            <p:nvPr/>
+          </p:nvPicPr>
+          <p:blipFill>
+            <a:blip r:embed="rId3" cstate="print">
+              <a:duotone>
+                <a:schemeClr val="accent1">
+                  <a:shade val="45000"/>
+                  <a:satMod val="135000"/>
+                </a:schemeClr>
+                <a:prstClr val="white"/>
+              </a:duotone>
+            </a:blip>
+            <a:srcRect/>
+            <a:stretch>
+              <a:fillRect/>
+            </a:stretch>
+          </p:blipFill>
+          <p:spPr bwMode="auto">
+            <a:xfrm>
+              <a:off x="7848600" y="2209800"/>
+              <a:ext cx="703850" cy="609599"/>
+            </a:xfrm>
+            <a:prstGeom prst="rect">
+              <a:avLst/>
+            </a:prstGeom>
+            <a:noFill/>
+          </p:spPr>
+        </p:pic>
+        <p:sp>
+          <p:nvSpPr>
+            <p:cNvPr id="6" name="Bent-Up Arrow 5"/>
+            <p:cNvSpPr/>
+            <p:nvPr/>
+          </p:nvSpPr>
+          <p:spPr>
+            <a:xfrm flipH="1">
+              <a:off x="1295400" y="2971800"/>
+              <a:ext cx="2819400" cy="990600"/>
+            </a:xfrm>
+            <a:prstGeom prst="bentUpArrow">
+              <a:avLst>
+                <a:gd name="adj1" fmla="val 0"/>
+                <a:gd name="adj2" fmla="val 4638"/>
+                <a:gd name="adj3" fmla="val 9029"/>
+              </a:avLst>
+            </a:prstGeom>
+            <a:solidFill>
+              <a:schemeClr val="accent1">
+                <a:lumMod val="75000"/>
+              </a:schemeClr>
+            </a:solidFill>
+            <a:ln>
+              <a:solidFill>
+                <a:schemeClr val="accent1">
+                  <a:lumMod val="75000"/>
+                </a:schemeClr>
+              </a:solidFill>
+            </a:ln>
+          </p:spPr>
+          <p:style>
+            <a:lnRef idx="2">
+              <a:schemeClr val="accent1">
+                <a:shade val="50000"/>
+              </a:schemeClr>
+            </a:lnRef>
+            <a:fillRef idx="1">
+              <a:schemeClr val="accent1"/>
+            </a:fillRef>
+            <a:effectRef idx="0">
+              <a:schemeClr val="accent1"/>
+            </a:effectRef>
+            <a:fontRef idx="minor">
+              <a:schemeClr val="lt1"/>
+            </a:fontRef>
+          </p:style>
+          <p:txBody>
+            <a:bodyPr rtlCol="0" anchor="ctr"/>
+            <a:lstStyle/>
+            <a:p>
+              <a:pPr algn="ctr"/>
+              <a:endParaRPr lang="en-US" b="1"/>
+            </a:p>
+          </p:txBody>
+        </p:sp>
+        <p:sp>
+          <p:nvSpPr>
+            <p:cNvPr id="8" name="Bent-Up Arrow 7"/>
+            <p:cNvSpPr/>
+            <p:nvPr/>
+          </p:nvSpPr>
+          <p:spPr>
+            <a:xfrm rot="16200000" flipH="1">
+              <a:off x="6400800" y="2133602"/>
+              <a:ext cx="914403" cy="2743201"/>
+            </a:xfrm>
+            <a:prstGeom prst="bentUpArrow">
+              <a:avLst>
+                <a:gd name="adj1" fmla="val 0"/>
+                <a:gd name="adj2" fmla="val 4638"/>
+                <a:gd name="adj3" fmla="val 9029"/>
+              </a:avLst>
+            </a:prstGeom>
+            <a:solidFill>
+              <a:schemeClr val="accent1">
+                <a:lumMod val="75000"/>
+              </a:schemeClr>
+            </a:solidFill>
+            <a:ln>
+              <a:solidFill>
+                <a:schemeClr val="accent1">
+                  <a:lumMod val="75000"/>
+                </a:schemeClr>
+              </a:solidFill>
+            </a:ln>
+          </p:spPr>
+          <p:style>
+            <a:lnRef idx="2">
+              <a:schemeClr val="accent1">
+                <a:shade val="50000"/>
+              </a:schemeClr>
+            </a:lnRef>
+            <a:fillRef idx="1">
+              <a:schemeClr val="accent1"/>
+            </a:fillRef>
+            <a:effectRef idx="0">
+              <a:schemeClr val="accent1"/>
+            </a:effectRef>
+            <a:fontRef idx="minor">
+              <a:schemeClr val="lt1"/>
+            </a:fontRef>
+          </p:style>
+          <p:txBody>
+            <a:bodyPr rtlCol="0" anchor="ctr"/>
+            <a:lstStyle/>
+            <a:p>
+              <a:pPr algn="ctr"/>
+              <a:endParaRPr lang="en-US" b="1"/>
+            </a:p>
+          </p:txBody>
+        </p:sp>
+        <p:grpSp>
+          <p:nvGrpSpPr>
+            <p:cNvPr id="9" name="Group 21"/>
+            <p:cNvGrpSpPr/>
+            <p:nvPr/>
+          </p:nvGrpSpPr>
+          <p:grpSpPr>
+            <a:xfrm>
+              <a:off x="4114800" y="2286000"/>
+              <a:ext cx="1219200" cy="609600"/>
+              <a:chOff x="4114800" y="2286000"/>
+              <a:chExt cx="1219200" cy="609600"/>
+            </a:xfrm>
+          </p:grpSpPr>
+          <p:sp>
+            <p:nvSpPr>
+              <p:cNvPr id="15" name="Rounded Rectangle 14"/>
+              <p:cNvSpPr/>
+              <p:nvPr/>
+            </p:nvSpPr>
+            <p:spPr>
+              <a:xfrm>
+                <a:off x="4191000" y="2286000"/>
+                <a:ext cx="1143000" cy="609600"/>
+              </a:xfrm>
+              <a:prstGeom prst="roundRect">
+                <a:avLst/>
+              </a:prstGeom>
+              <a:solidFill>
+                <a:schemeClr val="accent1">
+                  <a:lumMod val="60000"/>
+                  <a:lumOff val="40000"/>
+                </a:schemeClr>
+              </a:solidFill>
+              <a:ln w="15875">
+                <a:solidFill>
+                  <a:schemeClr val="accent1">
+                    <a:lumMod val="60000"/>
+                    <a:lumOff val="40000"/>
+                  </a:schemeClr>
+                </a:solidFill>
+              </a:ln>
+            </p:spPr>
+            <p:style>
+              <a:lnRef idx="2">
+                <a:schemeClr val="accent1">
+                  <a:shade val="50000"/>
+                </a:schemeClr>
+              </a:lnRef>
+              <a:fillRef idx="1">
+                <a:schemeClr val="accent1"/>
+              </a:fillRef>
+              <a:effectRef idx="0">
+                <a:schemeClr val="accent1"/>
+              </a:effectRef>
+              <a:fontRef idx="minor">
+                <a:schemeClr val="lt1"/>
+              </a:fontRef>
+            </p:style>
+            <p:txBody>
+              <a:bodyPr rtlCol="0" anchor="ctr"/>
+              <a:lstStyle/>
+              <a:p>
+                <a:pPr algn="ctr"/>
+                <a:endParaRPr lang="en-US" sz="1600" b="1" dirty="0"/>
+              </a:p>
+            </p:txBody>
+          </p:sp>
+          <p:sp>
+            <p:nvSpPr>
+              <p:cNvPr id="16" name="TextBox 15"/>
+              <p:cNvSpPr txBox="1"/>
+              <p:nvPr/>
+            </p:nvSpPr>
+            <p:spPr>
+              <a:xfrm>
+                <a:off x="4114800" y="2438400"/>
+                <a:ext cx="1172308" cy="276999"/>
+              </a:xfrm>
+              <a:prstGeom prst="rect">
+                <a:avLst/>
+              </a:prstGeom>
+              <a:noFill/>
+            </p:spPr>
+            <p:txBody>
+              <a:bodyPr wrap="square" rtlCol="0">
+                <a:spAutoFit/>
+              </a:bodyPr>
+              <a:lstStyle/>
+              <a:p>
+                <a:r>
+                  <a:rPr lang="en-US" sz="1200" b="1" dirty="0" smtClean="0"/>
+                  <a:t>   </a:t>
+                </a:r>
+                <a:r>
+                  <a:rPr lang="en-US" sz="1200" b="1" dirty="0" smtClean="0"/>
+                  <a:t>   Web Server</a:t>
+                </a:r>
+                <a:endParaRPr lang="en-US" sz="1200" b="1" dirty="0"/>
+              </a:p>
+            </p:txBody>
+          </p:sp>
+        </p:grpSp>
+        <p:sp>
+          <p:nvSpPr>
+            <p:cNvPr id="10" name="TextBox 9"/>
+            <p:cNvSpPr txBox="1"/>
+            <p:nvPr/>
+          </p:nvSpPr>
+          <p:spPr>
+            <a:xfrm>
+              <a:off x="4343400" y="3697069"/>
+              <a:ext cx="838200" cy="461665"/>
+            </a:xfrm>
+            <a:prstGeom prst="rect">
+              <a:avLst/>
+            </a:prstGeom>
+            <a:noFill/>
+          </p:spPr>
+          <p:txBody>
+            <a:bodyPr wrap="square" rtlCol="0">
+              <a:spAutoFit/>
+            </a:bodyPr>
+            <a:lstStyle/>
+            <a:p>
+              <a:pPr algn="ctr"/>
+              <a:r>
+                <a:rPr lang="en-US" sz="1200" b="1" dirty="0" smtClean="0"/>
+                <a:t>GCM Server</a:t>
+              </a:r>
+              <a:endParaRPr lang="en-US" sz="1200" b="1" dirty="0"/>
+            </a:p>
+          </p:txBody>
+        </p:sp>
+        <p:sp>
+          <p:nvSpPr>
+            <p:cNvPr id="11" name="TextBox 10"/>
+            <p:cNvSpPr txBox="1"/>
+            <p:nvPr/>
+          </p:nvSpPr>
+          <p:spPr>
+            <a:xfrm>
+              <a:off x="1143000" y="2057400"/>
+              <a:ext cx="457200" cy="246221"/>
+            </a:xfrm>
+            <a:prstGeom prst="rect">
+              <a:avLst/>
+            </a:prstGeom>
+            <a:noFill/>
+          </p:spPr>
+          <p:txBody>
+            <a:bodyPr wrap="square" rtlCol="0">
+              <a:spAutoFit/>
+            </a:bodyPr>
+            <a:lstStyle/>
+            <a:p>
+              <a:r>
+                <a:rPr lang="en-US" sz="1000" b="1" dirty="0" smtClean="0"/>
+                <a:t>User </a:t>
+              </a:r>
+              <a:endParaRPr lang="en-US" sz="1000" b="1" dirty="0"/>
+            </a:p>
+          </p:txBody>
+        </p:sp>
+        <p:sp>
+          <p:nvSpPr>
+            <p:cNvPr id="12" name="TextBox 11"/>
+            <p:cNvSpPr txBox="1"/>
+            <p:nvPr/>
+          </p:nvSpPr>
+          <p:spPr>
+            <a:xfrm>
+              <a:off x="7696200" y="2819400"/>
+              <a:ext cx="1371600" cy="246221"/>
+            </a:xfrm>
+            <a:prstGeom prst="rect">
+              <a:avLst/>
+            </a:prstGeom>
+            <a:noFill/>
+          </p:spPr>
+          <p:txBody>
+            <a:bodyPr wrap="square" rtlCol="0">
+              <a:spAutoFit/>
+            </a:bodyPr>
+            <a:lstStyle/>
+            <a:p>
+              <a:r>
+                <a:rPr lang="en-US" sz="1000" b="1" dirty="0" smtClean="0"/>
+                <a:t>Tech / Care Agent</a:t>
+              </a:r>
+              <a:endParaRPr lang="en-US" sz="1000" b="1" dirty="0"/>
+            </a:p>
+          </p:txBody>
+        </p:sp>
+        <p:sp>
+          <p:nvSpPr>
+            <p:cNvPr id="14" name="TextBox 13"/>
+            <p:cNvSpPr txBox="1"/>
+            <p:nvPr/>
+          </p:nvSpPr>
+          <p:spPr>
+            <a:xfrm>
+              <a:off x="2209800" y="3733800"/>
+              <a:ext cx="1066800" cy="230832"/>
+            </a:xfrm>
+            <a:prstGeom prst="rect">
+              <a:avLst/>
+            </a:prstGeom>
+            <a:noFill/>
+          </p:spPr>
+          <p:txBody>
+            <a:bodyPr wrap="square" rtlCol="0">
+              <a:spAutoFit/>
+            </a:bodyPr>
+            <a:lstStyle/>
+            <a:p>
+              <a:r>
+                <a:rPr lang="en-US" sz="900" b="1" dirty="0" smtClean="0"/>
+                <a:t>Send Notification</a:t>
+              </a:r>
+              <a:endParaRPr lang="en-US" sz="900" b="1" dirty="0"/>
+            </a:p>
+          </p:txBody>
+        </p:sp>
+      </p:grpSp>
+      <p:sp>
+        <p:nvSpPr>
+          <p:cNvPr id="21" name="TextBox 20"/>
+          <p:cNvSpPr txBox="1"/>
+          <p:nvPr/>
+        </p:nvSpPr>
+        <p:spPr>
+          <a:xfrm>
+            <a:off x="6248400" y="3733800"/>
+            <a:ext cx="1066800" cy="230832"/>
+          </a:xfrm>
+          <a:prstGeom prst="rect">
+            <a:avLst/>
+          </a:prstGeom>
+          <a:noFill/>
+        </p:spPr>
+        <p:txBody>
+          <a:bodyPr wrap="square" rtlCol="0">
+            <a:spAutoFit/>
+          </a:bodyPr>
+          <a:lstStyle/>
+          <a:p>
+            <a:r>
+              <a:rPr lang="en-US" sz="900" b="1" dirty="0" smtClean="0"/>
+              <a:t>Send Message</a:t>
+            </a:r>
+            <a:endParaRPr lang="en-US" sz="900" b="1" dirty="0"/>
+          </a:p>
+        </p:txBody>
+      </p:sp>
+      <p:sp>
+        <p:nvSpPr>
+          <p:cNvPr id="24" name="TextBox 23"/>
+          <p:cNvSpPr txBox="1"/>
+          <p:nvPr/>
+        </p:nvSpPr>
+        <p:spPr>
+          <a:xfrm>
+            <a:off x="6019800" y="2362200"/>
+            <a:ext cx="1447800" cy="230832"/>
+          </a:xfrm>
+          <a:prstGeom prst="rect">
+            <a:avLst/>
+          </a:prstGeom>
+          <a:noFill/>
+        </p:spPr>
+        <p:txBody>
+          <a:bodyPr wrap="square" rtlCol="0">
+            <a:spAutoFit/>
+          </a:bodyPr>
+          <a:lstStyle/>
+          <a:p>
+            <a:r>
+              <a:rPr lang="en-US" sz="900" b="1" dirty="0" smtClean="0"/>
+              <a:t>Send Message to Agent</a:t>
+            </a:r>
+            <a:endParaRPr lang="en-US" sz="900" b="1" dirty="0"/>
+          </a:p>
+        </p:txBody>
+      </p:sp>
+      <p:cxnSp>
+        <p:nvCxnSpPr>
+          <p:cNvPr id="32" name="Straight Arrow Connector 31"/>
+          <p:cNvCxnSpPr/>
+          <p:nvPr/>
+        </p:nvCxnSpPr>
+        <p:spPr>
+          <a:xfrm>
+            <a:off x="1600200" y="2590800"/>
+            <a:ext cx="2514600" cy="0"/>
+          </a:xfrm>
+          <a:prstGeom prst="straightConnector1">
+            <a:avLst/>
+          </a:prstGeom>
+          <a:ln w="25400">
+            <a:solidFill>
+              <a:schemeClr val="accent1">
+                <a:lumMod val="75000"/>
+              </a:schemeClr>
+            </a:solidFill>
+            <a:tailEnd type="triangle"/>
+          </a:ln>
+        </p:spPr>
+        <p:style>
+          <a:lnRef idx="1">
+            <a:schemeClr val="accent1"/>
+          </a:lnRef>
+          <a:fillRef idx="0">
+            <a:schemeClr val="accent1"/>
+          </a:fillRef>
+          <a:effectRef idx="0">
+            <a:schemeClr val="accent1"/>
+          </a:effectRef>
+          <a:fontRef idx="minor">
+            <a:schemeClr val="tx1"/>
+          </a:fontRef>
+        </p:style>
+      </p:cxnSp>
+      <p:cxnSp>
+        <p:nvCxnSpPr>
+          <p:cNvPr id="37" name="Straight Arrow Connector 36"/>
+          <p:cNvCxnSpPr/>
+          <p:nvPr/>
+        </p:nvCxnSpPr>
+        <p:spPr>
+          <a:xfrm>
+            <a:off x="5410200" y="2590800"/>
+            <a:ext cx="2362200" cy="0"/>
+          </a:xfrm>
+          <a:prstGeom prst="straightConnector1">
+            <a:avLst/>
+          </a:prstGeom>
+          <a:ln w="25400">
+            <a:solidFill>
+              <a:schemeClr val="accent1">
+                <a:lumMod val="75000"/>
+              </a:schemeClr>
+            </a:solidFill>
+            <a:tailEnd type="triangle"/>
+          </a:ln>
+        </p:spPr>
+        <p:style>
+          <a:lnRef idx="1">
+            <a:schemeClr val="accent1"/>
+          </a:lnRef>
+          <a:fillRef idx="0">
+            <a:schemeClr val="accent1"/>
+          </a:fillRef>
+          <a:effectRef idx="0">
+            <a:schemeClr val="accent1"/>
+          </a:effectRef>
+          <a:fontRef idx="minor">
+            <a:schemeClr val="tx1"/>
+          </a:fontRef>
+        </p:style>
+      </p:cxnSp>
+      <p:sp>
+        <p:nvSpPr>
+          <p:cNvPr id="40" name="TextBox 39"/>
+          <p:cNvSpPr txBox="1"/>
+          <p:nvPr/>
+        </p:nvSpPr>
+        <p:spPr>
+          <a:xfrm>
+            <a:off x="2133600" y="2359968"/>
+            <a:ext cx="1447800" cy="230832"/>
+          </a:xfrm>
+          <a:prstGeom prst="rect">
+            <a:avLst/>
+          </a:prstGeom>
+          <a:noFill/>
+        </p:spPr>
+        <p:txBody>
+          <a:bodyPr wrap="square" rtlCol="0">
+            <a:spAutoFit/>
+          </a:bodyPr>
+          <a:lstStyle/>
+          <a:p>
+            <a:r>
+              <a:rPr lang="en-US" sz="900" b="1" dirty="0" smtClean="0"/>
+              <a:t>Send Message to Server</a:t>
+            </a:r>
+            <a:endParaRPr lang="en-US" sz="900" b="1" dirty="0"/>
+          </a:p>
+        </p:txBody>
+      </p:sp>
+    </p:spTree>
+  </p:cSld>
+  <p:clrMapOvr>
+    <a:masterClrMapping/>
+  </p:clrMapOvr>
 </p:sld>
 </file>
 
